--- a/Shadow of Aral/Shadow of Aral - Image Files/Shadow of Aral - Game Objects.pptx
+++ b/Shadow of Aral/Shadow of Aral - Image Files/Shadow of Aral - Game Objects.pptx
@@ -104,6 +104,11 @@
       </a:defRPr>
     </a:lvl9pPr>
   </p:defaultTextStyle>
+  <p:extLst>
+    <p:ext uri="{EFAFB233-063F-42B5-8137-9DF3F51BA10A}">
+      <p15:sldGuideLst xmlns:p15="http://schemas.microsoft.com/office/powerpoint/2012/main"/>
+    </p:ext>
+  </p:extLst>
 </p:presentation>
 </file>
 
@@ -238,7 +243,7 @@
           <a:p>
             <a:fld id="{6039E552-8514-4143-B81B-55803499B07C}" type="datetimeFigureOut">
               <a:rPr lang="en-US" smtClean="0"/>
-              <a:t>4/28/2024</a:t>
+              <a:t>5/27/2024</a:t>
             </a:fld>
             <a:endParaRPr lang="en-US"/>
           </a:p>
@@ -408,7 +413,7 @@
           <a:p>
             <a:fld id="{6039E552-8514-4143-B81B-55803499B07C}" type="datetimeFigureOut">
               <a:rPr lang="en-US" smtClean="0"/>
-              <a:t>4/28/2024</a:t>
+              <a:t>5/27/2024</a:t>
             </a:fld>
             <a:endParaRPr lang="en-US"/>
           </a:p>
@@ -588,7 +593,7 @@
           <a:p>
             <a:fld id="{6039E552-8514-4143-B81B-55803499B07C}" type="datetimeFigureOut">
               <a:rPr lang="en-US" smtClean="0"/>
-              <a:t>4/28/2024</a:t>
+              <a:t>5/27/2024</a:t>
             </a:fld>
             <a:endParaRPr lang="en-US"/>
           </a:p>
@@ -758,7 +763,7 @@
           <a:p>
             <a:fld id="{6039E552-8514-4143-B81B-55803499B07C}" type="datetimeFigureOut">
               <a:rPr lang="en-US" smtClean="0"/>
-              <a:t>4/28/2024</a:t>
+              <a:t>5/27/2024</a:t>
             </a:fld>
             <a:endParaRPr lang="en-US"/>
           </a:p>
@@ -1004,7 +1009,7 @@
           <a:p>
             <a:fld id="{6039E552-8514-4143-B81B-55803499B07C}" type="datetimeFigureOut">
               <a:rPr lang="en-US" smtClean="0"/>
-              <a:t>4/28/2024</a:t>
+              <a:t>5/27/2024</a:t>
             </a:fld>
             <a:endParaRPr lang="en-US"/>
           </a:p>
@@ -1236,7 +1241,7 @@
           <a:p>
             <a:fld id="{6039E552-8514-4143-B81B-55803499B07C}" type="datetimeFigureOut">
               <a:rPr lang="en-US" smtClean="0"/>
-              <a:t>4/28/2024</a:t>
+              <a:t>5/27/2024</a:t>
             </a:fld>
             <a:endParaRPr lang="en-US"/>
           </a:p>
@@ -1603,7 +1608,7 @@
           <a:p>
             <a:fld id="{6039E552-8514-4143-B81B-55803499B07C}" type="datetimeFigureOut">
               <a:rPr lang="en-US" smtClean="0"/>
-              <a:t>4/28/2024</a:t>
+              <a:t>5/27/2024</a:t>
             </a:fld>
             <a:endParaRPr lang="en-US"/>
           </a:p>
@@ -1721,7 +1726,7 @@
           <a:p>
             <a:fld id="{6039E552-8514-4143-B81B-55803499B07C}" type="datetimeFigureOut">
               <a:rPr lang="en-US" smtClean="0"/>
-              <a:t>4/28/2024</a:t>
+              <a:t>5/27/2024</a:t>
             </a:fld>
             <a:endParaRPr lang="en-US"/>
           </a:p>
@@ -1816,7 +1821,7 @@
           <a:p>
             <a:fld id="{6039E552-8514-4143-B81B-55803499B07C}" type="datetimeFigureOut">
               <a:rPr lang="en-US" smtClean="0"/>
-              <a:t>4/28/2024</a:t>
+              <a:t>5/27/2024</a:t>
             </a:fld>
             <a:endParaRPr lang="en-US"/>
           </a:p>
@@ -2093,7 +2098,7 @@
           <a:p>
             <a:fld id="{6039E552-8514-4143-B81B-55803499B07C}" type="datetimeFigureOut">
               <a:rPr lang="en-US" smtClean="0"/>
-              <a:t>4/28/2024</a:t>
+              <a:t>5/27/2024</a:t>
             </a:fld>
             <a:endParaRPr lang="en-US"/>
           </a:p>
@@ -2346,7 +2351,7 @@
           <a:p>
             <a:fld id="{6039E552-8514-4143-B81B-55803499B07C}" type="datetimeFigureOut">
               <a:rPr lang="en-US" smtClean="0"/>
-              <a:t>4/28/2024</a:t>
+              <a:t>5/27/2024</a:t>
             </a:fld>
             <a:endParaRPr lang="en-US"/>
           </a:p>
@@ -2559,7 +2564,7 @@
           <a:p>
             <a:fld id="{6039E552-8514-4143-B81B-55803499B07C}" type="datetimeFigureOut">
               <a:rPr lang="en-US" smtClean="0"/>
-              <a:t>4/28/2024</a:t>
+              <a:t>5/27/2024</a:t>
             </a:fld>
             <a:endParaRPr lang="en-US"/>
           </a:p>
@@ -3105,17 +3110,14 @@
               <a:t>Design a Dynamic Shift in Camera View (In and Outside </a:t>
             </a:r>
             <a:r>
-              <a:rPr lang="en-US" sz="1200" dirty="0" err="1" smtClean="0">
-                <a:latin typeface="Comic Sans MS" panose="030F0702030302020204" pitchFamily="66" charset="0"/>
-              </a:rPr>
-              <a:t>enviroments</a:t>
-            </a:r>
-            <a:r>
               <a:rPr lang="en-US" sz="1200" dirty="0" smtClean="0">
                 <a:latin typeface="Comic Sans MS" panose="030F0702030302020204" pitchFamily="66" charset="0"/>
               </a:rPr>
-              <a:t>)</a:t>
-            </a:r>
+              <a:t>environments)</a:t>
+            </a:r>
+            <a:endParaRPr lang="en-US" sz="1200" dirty="0" smtClean="0">
+              <a:latin typeface="Comic Sans MS" panose="030F0702030302020204" pitchFamily="66" charset="0"/>
+            </a:endParaRPr>
           </a:p>
           <a:p>
             <a:pPr marL="171450" indent="-171450">
@@ -3218,6 +3220,140 @@
           </p:spPr>
         </p:pic>
       </p:grpSp>
+      <p:sp>
+        <p:nvSpPr>
+          <p:cNvPr id="9" name="TextBox 8"/>
+          <p:cNvSpPr txBox="1"/>
+          <p:nvPr/>
+        </p:nvSpPr>
+        <p:spPr>
+          <a:xfrm>
+            <a:off x="6042659" y="144780"/>
+            <a:ext cx="5485131" cy="2492990"/>
+          </a:xfrm>
+          <a:prstGeom prst="rect">
+            <a:avLst/>
+          </a:prstGeom>
+          <a:noFill/>
+        </p:spPr>
+        <p:txBody>
+          <a:bodyPr wrap="square" rtlCol="0">
+            <a:spAutoFit/>
+          </a:bodyPr>
+          <a:lstStyle/>
+          <a:p>
+            <a:r>
+              <a:rPr lang="en-US" dirty="0" smtClean="0">
+                <a:latin typeface="Comic Sans MS" panose="030F0702030302020204" pitchFamily="66" charset="0"/>
+              </a:rPr>
+              <a:t>Enemy </a:t>
+            </a:r>
+            <a:r>
+              <a:rPr lang="en-US" dirty="0" smtClean="0">
+                <a:latin typeface="Comic Sans MS" panose="030F0702030302020204" pitchFamily="66" charset="0"/>
+              </a:rPr>
+              <a:t>Object</a:t>
+            </a:r>
+          </a:p>
+          <a:p>
+            <a:endParaRPr lang="en-US" sz="1200" dirty="0" smtClean="0">
+              <a:latin typeface="Comic Sans MS" panose="030F0702030302020204" pitchFamily="66" charset="0"/>
+            </a:endParaRPr>
+          </a:p>
+          <a:p>
+            <a:pPr marL="285750" indent="-285750">
+              <a:buFont typeface="Arial" panose="020B0604020202020204" pitchFamily="34" charset="0"/>
+              <a:buChar char="•"/>
+            </a:pPr>
+            <a:r>
+              <a:rPr lang="en-US" sz="1200" dirty="0" smtClean="0">
+                <a:latin typeface="Comic Sans MS" panose="030F0702030302020204" pitchFamily="66" charset="0"/>
+              </a:rPr>
+              <a:t>Head and Body</a:t>
+            </a:r>
+          </a:p>
+          <a:p>
+            <a:pPr marL="285750" indent="-285750">
+              <a:buFont typeface="Arial" panose="020B0604020202020204" pitchFamily="34" charset="0"/>
+              <a:buChar char="•"/>
+            </a:pPr>
+            <a:r>
+              <a:rPr lang="en-US" sz="1200" dirty="0" smtClean="0">
+                <a:latin typeface="Comic Sans MS" panose="030F0702030302020204" pitchFamily="66" charset="0"/>
+              </a:rPr>
+              <a:t>Legs</a:t>
+            </a:r>
+          </a:p>
+          <a:p>
+            <a:pPr marL="285750" indent="-285750">
+              <a:buFont typeface="Arial" panose="020B0604020202020204" pitchFamily="34" charset="0"/>
+              <a:buChar char="•"/>
+            </a:pPr>
+            <a:r>
+              <a:rPr lang="en-US" sz="1200" dirty="0" smtClean="0">
+                <a:latin typeface="Comic Sans MS" panose="030F0702030302020204" pitchFamily="66" charset="0"/>
+              </a:rPr>
+              <a:t>Arms and Weapons</a:t>
+            </a:r>
+          </a:p>
+          <a:p>
+            <a:endParaRPr lang="en-US" sz="1200" dirty="0" smtClean="0">
+              <a:latin typeface="Comic Sans MS" panose="030F0702030302020204" pitchFamily="66" charset="0"/>
+            </a:endParaRPr>
+          </a:p>
+          <a:p>
+            <a:endParaRPr lang="en-US" sz="1200" dirty="0" smtClean="0">
+              <a:latin typeface="Comic Sans MS" panose="030F0702030302020204" pitchFamily="66" charset="0"/>
+            </a:endParaRPr>
+          </a:p>
+          <a:p>
+            <a:r>
+              <a:rPr lang="en-US" dirty="0" smtClean="0">
+                <a:latin typeface="Comic Sans MS" panose="030F0702030302020204" pitchFamily="66" charset="0"/>
+              </a:rPr>
+              <a:t>To Do</a:t>
+            </a:r>
+          </a:p>
+          <a:p>
+            <a:endParaRPr lang="en-US" sz="1200" dirty="0">
+              <a:latin typeface="Comic Sans MS" panose="030F0702030302020204" pitchFamily="66" charset="0"/>
+            </a:endParaRPr>
+          </a:p>
+          <a:p>
+            <a:pPr marL="171450" indent="-171450">
+              <a:buFont typeface="Arial" panose="020B0604020202020204" pitchFamily="34" charset="0"/>
+              <a:buChar char="•"/>
+            </a:pPr>
+            <a:r>
+              <a:rPr lang="en-US" sz="1200" dirty="0" smtClean="0">
+                <a:latin typeface="Comic Sans MS" panose="030F0702030302020204" pitchFamily="66" charset="0"/>
+              </a:rPr>
+              <a:t>Redesign the enemies</a:t>
+            </a:r>
+          </a:p>
+          <a:p>
+            <a:pPr marL="171450" indent="-171450">
+              <a:buFont typeface="Arial" panose="020B0604020202020204" pitchFamily="34" charset="0"/>
+              <a:buChar char="•"/>
+            </a:pPr>
+            <a:r>
+              <a:rPr lang="en-US" sz="1200" dirty="0" smtClean="0">
+                <a:latin typeface="Comic Sans MS" panose="030F0702030302020204" pitchFamily="66" charset="0"/>
+              </a:rPr>
+              <a:t>Basic enemy animations</a:t>
+            </a:r>
+          </a:p>
+          <a:p>
+            <a:pPr marL="171450" indent="-171450">
+              <a:buFont typeface="Arial" panose="020B0604020202020204" pitchFamily="34" charset="0"/>
+              <a:buChar char="•"/>
+            </a:pPr>
+            <a:endParaRPr lang="en-US" sz="1200" dirty="0" smtClean="0">
+              <a:latin typeface="Comic Sans MS" panose="030F0702030302020204" pitchFamily="66" charset="0"/>
+            </a:endParaRPr>
+          </a:p>
+        </p:txBody>
+      </p:sp>
     </p:spTree>
     <p:extLst>
       <p:ext uri="{BB962C8B-B14F-4D97-AF65-F5344CB8AC3E}">
